--- a/presentation/RedmineMobile_Kriterien.pptx
+++ b/presentation/RedmineMobile_Kriterien.pptx
@@ -8,10 +8,11 @@
     <p:sldId id="257" r:id="rId2"/>
     <p:sldId id="263" r:id="rId3"/>
     <p:sldId id="266" r:id="rId4"/>
-    <p:sldId id="264" r:id="rId5"/>
-    <p:sldId id="265" r:id="rId6"/>
-    <p:sldId id="267" r:id="rId7"/>
-    <p:sldId id="262" r:id="rId8"/>
+    <p:sldId id="268" r:id="rId5"/>
+    <p:sldId id="264" r:id="rId6"/>
+    <p:sldId id="265" r:id="rId7"/>
+    <p:sldId id="267" r:id="rId8"/>
+    <p:sldId id="262" r:id="rId9"/>
   </p:sldIdLst>
   <p:sldSz cx="9144000" cy="6858000" type="screen4x3"/>
   <p:notesSz cx="6858000" cy="9144000"/>
@@ -3723,123 +3724,140 @@
           <a:lstStyle/>
           <a:p>
             <a:r>
-              <a:rPr lang="en-US" dirty="0" err="1" smtClean="0"/>
-              <a:t>Bedienung</a:t>
+              <a:rPr lang="en-US" dirty="0" smtClean="0"/>
+              <a:t>Screens</a:t>
             </a:r>
             <a:endParaRPr lang="de-DE" dirty="0"/>
           </a:p>
         </p:txBody>
       </p:sp>
-      <p:sp>
-        <p:nvSpPr>
-          <p:cNvPr id="3" name="Inhaltsplatzhalter 2"/>
-          <p:cNvSpPr>
-            <a:spLocks noGrp="1"/>
-          </p:cNvSpPr>
-          <p:nvPr>
-            <p:ph idx="1"/>
-          </p:nvPr>
-        </p:nvSpPr>
-        <p:spPr/>
-        <p:txBody>
-          <a:bodyPr>
-            <a:normAutofit fontScale="92500" lnSpcReduction="10000"/>
-          </a:bodyPr>
-          <a:lstStyle/>
-          <a:p>
-            <a:r>
-              <a:rPr lang="de-DE" dirty="0" err="1" smtClean="0"/>
-              <a:t>Affordances</a:t>
-            </a:r>
-            <a:endParaRPr lang="de-DE" dirty="0" smtClean="0"/>
-          </a:p>
-          <a:p>
-            <a:pPr lvl="1"/>
-            <a:r>
-              <a:rPr lang="de-DE" dirty="0" smtClean="0"/>
-              <a:t>standardisierte Bedienelementen (</a:t>
-            </a:r>
-            <a:r>
-              <a:rPr lang="de-DE" dirty="0" err="1" smtClean="0"/>
-              <a:t>jQuery</a:t>
-            </a:r>
-            <a:r>
-              <a:rPr lang="de-DE" dirty="0" smtClean="0"/>
-              <a:t> Mobile)</a:t>
-            </a:r>
-          </a:p>
-          <a:p>
-            <a:pPr lvl="1"/>
-            <a:r>
-              <a:rPr lang="de-DE" dirty="0" smtClean="0"/>
-              <a:t>Simple UI-Elemente:</a:t>
-            </a:r>
-            <a:br>
-              <a:rPr lang="de-DE" dirty="0" smtClean="0"/>
-            </a:br>
-            <a:r>
-              <a:rPr lang="de-DE" dirty="0" smtClean="0"/>
-              <a:t>Buttons, Eingabefelder, Checkboxes</a:t>
-            </a:r>
-          </a:p>
-          <a:p>
-            <a:r>
-              <a:rPr lang="de-DE" dirty="0" smtClean="0"/>
-              <a:t>Systemzustand</a:t>
-            </a:r>
-          </a:p>
-          <a:p>
-            <a:pPr lvl="1"/>
-            <a:r>
-              <a:rPr lang="de-DE" dirty="0" smtClean="0"/>
-              <a:t>Projektscreens mit Bezeichnung im Header</a:t>
-            </a:r>
-          </a:p>
-          <a:p>
-            <a:pPr lvl="1"/>
-            <a:r>
-              <a:rPr lang="de-DE" dirty="0" smtClean="0"/>
-              <a:t>Navigationsbar mit Highlights</a:t>
-            </a:r>
-          </a:p>
-          <a:p>
-            <a:r>
-              <a:rPr lang="de-DE" dirty="0" err="1" smtClean="0"/>
-              <a:t>Constraints</a:t>
-            </a:r>
-            <a:endParaRPr lang="de-DE" dirty="0" smtClean="0"/>
-          </a:p>
-          <a:p>
-            <a:pPr lvl="1"/>
-            <a:r>
-              <a:rPr lang="de-DE" dirty="0" smtClean="0"/>
-              <a:t>Ein Screen für eine Aufgabe</a:t>
-            </a:r>
-          </a:p>
-          <a:p>
-            <a:pPr lvl="1"/>
-            <a:r>
-              <a:rPr lang="de-DE" dirty="0" smtClean="0"/>
-              <a:t>Jeweils wichtigste </a:t>
-            </a:r>
-            <a:r>
-              <a:rPr lang="de-DE" dirty="0" err="1" smtClean="0"/>
-              <a:t>Redmine</a:t>
-            </a:r>
-            <a:r>
-              <a:rPr lang="de-DE" dirty="0" smtClean="0"/>
-              <a:t>-Funktionen</a:t>
-            </a:r>
-          </a:p>
-          <a:p>
-            <a:endParaRPr lang="de-DE" dirty="0"/>
-          </a:p>
-        </p:txBody>
-      </p:sp>
+      <p:pic>
+        <p:nvPicPr>
+          <p:cNvPr id="1026" name="Picture 2" descr="C:\Users\Andreas\Dropbox\Studium\6. Semester\Interaktive Systeme\übung\redmine-mobile\presentation\profil.png"/>
+          <p:cNvPicPr>
+            <a:picLocks noChangeAspect="1" noChangeArrowheads="1"/>
+          </p:cNvPicPr>
+          <p:nvPr/>
+        </p:nvPicPr>
+        <p:blipFill>
+          <a:blip r:embed="rId2">
+            <a:extLst>
+              <a:ext uri="{28A0092B-C50C-407E-A947-70E740481C1C}">
+                <a14:useLocalDpi xmlns:a14="http://schemas.microsoft.com/office/drawing/2010/main" val="0"/>
+              </a:ext>
+            </a:extLst>
+          </a:blip>
+          <a:srcRect/>
+          <a:stretch>
+            <a:fillRect/>
+          </a:stretch>
+        </p:blipFill>
+        <p:spPr bwMode="auto">
+          <a:xfrm>
+            <a:off x="6187122" y="1628800"/>
+            <a:ext cx="2705358" cy="4809526"/>
+          </a:xfrm>
+          <a:prstGeom prst="rect">
+            <a:avLst/>
+          </a:prstGeom>
+          <a:noFill/>
+          <a:extLst>
+            <a:ext uri="{909E8E84-426E-40DD-AFC4-6F175D3DCCD1}">
+              <a14:hiddenFill xmlns:a14="http://schemas.microsoft.com/office/drawing/2010/main">
+                <a:solidFill>
+                  <a:srgbClr val="FFFFFF"/>
+                </a:solidFill>
+              </a14:hiddenFill>
+            </a:ext>
+          </a:extLst>
+        </p:spPr>
+      </p:pic>
+      <p:pic>
+        <p:nvPicPr>
+          <p:cNvPr id="1027" name="Picture 3" descr="C:\Users\Andreas\Dropbox\Studium\6. Semester\Interaktive Systeme\übung\redmine-mobile\presentation\projectselection.png"/>
+          <p:cNvPicPr>
+            <a:picLocks noChangeAspect="1" noChangeArrowheads="1"/>
+          </p:cNvPicPr>
+          <p:nvPr/>
+        </p:nvPicPr>
+        <p:blipFill>
+          <a:blip r:embed="rId3">
+            <a:extLst>
+              <a:ext uri="{28A0092B-C50C-407E-A947-70E740481C1C}">
+                <a14:useLocalDpi xmlns:a14="http://schemas.microsoft.com/office/drawing/2010/main" val="0"/>
+              </a:ext>
+            </a:extLst>
+          </a:blip>
+          <a:srcRect/>
+          <a:stretch>
+            <a:fillRect/>
+          </a:stretch>
+        </p:blipFill>
+        <p:spPr bwMode="auto">
+          <a:xfrm>
+            <a:off x="3250267" y="1630490"/>
+            <a:ext cx="2705358" cy="4809526"/>
+          </a:xfrm>
+          <a:prstGeom prst="rect">
+            <a:avLst/>
+          </a:prstGeom>
+          <a:noFill/>
+          <a:extLst>
+            <a:ext uri="{909E8E84-426E-40DD-AFC4-6F175D3DCCD1}">
+              <a14:hiddenFill xmlns:a14="http://schemas.microsoft.com/office/drawing/2010/main">
+                <a:solidFill>
+                  <a:srgbClr val="FFFFFF"/>
+                </a:solidFill>
+              </a14:hiddenFill>
+            </a:ext>
+          </a:extLst>
+        </p:spPr>
+      </p:pic>
+      <p:pic>
+        <p:nvPicPr>
+          <p:cNvPr id="1028" name="Picture 4" descr="C:\Users\Andreas\Dropbox\Studium\6. Semester\Interaktive Systeme\übung\redmine-mobile\presentation\login.png"/>
+          <p:cNvPicPr>
+            <a:picLocks noChangeAspect="1" noChangeArrowheads="1"/>
+          </p:cNvPicPr>
+          <p:nvPr/>
+        </p:nvPicPr>
+        <p:blipFill>
+          <a:blip r:embed="rId4">
+            <a:extLst>
+              <a:ext uri="{28A0092B-C50C-407E-A947-70E740481C1C}">
+                <a14:useLocalDpi xmlns:a14="http://schemas.microsoft.com/office/drawing/2010/main" val="0"/>
+              </a:ext>
+            </a:extLst>
+          </a:blip>
+          <a:srcRect/>
+          <a:stretch>
+            <a:fillRect/>
+          </a:stretch>
+        </p:blipFill>
+        <p:spPr bwMode="auto">
+          <a:xfrm>
+            <a:off x="313412" y="1628800"/>
+            <a:ext cx="2705358" cy="4802011"/>
+          </a:xfrm>
+          <a:prstGeom prst="rect">
+            <a:avLst/>
+          </a:prstGeom>
+          <a:noFill/>
+          <a:extLst>
+            <a:ext uri="{909E8E84-426E-40DD-AFC4-6F175D3DCCD1}">
+              <a14:hiddenFill xmlns:a14="http://schemas.microsoft.com/office/drawing/2010/main">
+                <a:solidFill>
+                  <a:srgbClr val="FFFFFF"/>
+                </a:solidFill>
+              </a14:hiddenFill>
+            </a:ext>
+          </a:extLst>
+        </p:spPr>
+      </p:pic>
     </p:spTree>
     <p:extLst>
       <p:ext uri="{BB962C8B-B14F-4D97-AF65-F5344CB8AC3E}">
-        <p14:creationId xmlns:p14="http://schemas.microsoft.com/office/powerpoint/2010/main" val="1314414534"/>
+        <p14:creationId xmlns:p14="http://schemas.microsoft.com/office/powerpoint/2010/main" val="1347265255"/>
       </p:ext>
     </p:extLst>
   </p:cSld>
@@ -3892,8 +3910,8 @@
           <a:lstStyle/>
           <a:p>
             <a:r>
-              <a:rPr lang="en-US" dirty="0" smtClean="0"/>
-              <a:t>Das Interface</a:t>
+              <a:rPr lang="en-US" dirty="0" err="1" smtClean="0"/>
+              <a:t>Bedienung</a:t>
             </a:r>
             <a:endParaRPr lang="de-DE" dirty="0"/>
           </a:p>
@@ -3909,156 +3927,106 @@
             <p:ph idx="1"/>
           </p:nvPr>
         </p:nvSpPr>
-        <p:spPr>
-          <a:xfrm>
-            <a:off x="457200" y="1600200"/>
-            <a:ext cx="8229600" cy="4493096"/>
-          </a:xfrm>
-        </p:spPr>
+        <p:spPr/>
         <p:txBody>
           <a:bodyPr>
-            <a:normAutofit/>
+            <a:normAutofit fontScale="92500" lnSpcReduction="10000"/>
           </a:bodyPr>
           <a:lstStyle/>
           <a:p>
             <a:r>
-              <a:rPr lang="en-US" dirty="0" smtClean="0"/>
-              <a:t>Schnell </a:t>
-            </a:r>
-            <a:r>
-              <a:rPr lang="en-US" dirty="0" err="1" smtClean="0"/>
-              <a:t>erlernbar</a:t>
-            </a:r>
-            <a:r>
-              <a:rPr lang="en-US" dirty="0"/>
-              <a:t> </a:t>
-            </a:r>
-            <a:r>
-              <a:rPr lang="en-US" dirty="0" smtClean="0"/>
-              <a:t>&amp; </a:t>
-            </a:r>
-            <a:r>
-              <a:rPr lang="en-US" dirty="0" err="1" smtClean="0"/>
-              <a:t>komfortabel</a:t>
-            </a:r>
-            <a:r>
-              <a:rPr lang="en-US" dirty="0" smtClean="0"/>
-              <a:t/>
+              <a:rPr lang="de-DE" dirty="0" err="1" smtClean="0"/>
+              <a:t>Affordances</a:t>
+            </a:r>
+            <a:endParaRPr lang="de-DE" dirty="0" smtClean="0"/>
+          </a:p>
+          <a:p>
+            <a:pPr lvl="1"/>
+            <a:r>
+              <a:rPr lang="de-DE" dirty="0" smtClean="0"/>
+              <a:t>standardisierte Bedienelementen (</a:t>
+            </a:r>
+            <a:r>
+              <a:rPr lang="de-DE" dirty="0" err="1" smtClean="0"/>
+              <a:t>jQuery</a:t>
+            </a:r>
+            <a:r>
+              <a:rPr lang="de-DE" dirty="0" smtClean="0"/>
+              <a:t> Mobile)</a:t>
+            </a:r>
+          </a:p>
+          <a:p>
+            <a:pPr lvl="1"/>
+            <a:r>
+              <a:rPr lang="de-DE" dirty="0" smtClean="0"/>
+              <a:t>Simple UI-Elemente:</a:t>
             </a:r>
             <a:br>
-              <a:rPr lang="en-US" dirty="0" smtClean="0"/>
+              <a:rPr lang="de-DE" dirty="0" smtClean="0"/>
             </a:br>
-            <a:endParaRPr lang="en-US" dirty="0" smtClean="0"/>
+            <a:r>
+              <a:rPr lang="de-DE" dirty="0" smtClean="0"/>
+              <a:t>Buttons, Eingabefelder, Checkboxes</a:t>
+            </a:r>
+          </a:p>
+          <a:p>
+            <a:r>
+              <a:rPr lang="de-DE" dirty="0" smtClean="0"/>
+              <a:t>Systemzustand</a:t>
+            </a:r>
           </a:p>
           <a:p>
             <a:pPr lvl="1"/>
             <a:r>
-              <a:rPr lang="en-US" dirty="0" err="1" smtClean="0"/>
-              <a:t>Geringe</a:t>
-            </a:r>
-            <a:r>
-              <a:rPr lang="en-US" dirty="0" smtClean="0"/>
-              <a:t> </a:t>
-            </a:r>
-            <a:r>
-              <a:rPr lang="en-US" dirty="0" err="1" smtClean="0"/>
-              <a:t>Eingewöhnung</a:t>
-            </a:r>
-            <a:r>
-              <a:rPr lang="en-US" dirty="0" smtClean="0"/>
-              <a:t> </a:t>
-            </a:r>
-            <a:r>
-              <a:rPr lang="en-US" dirty="0" err="1"/>
-              <a:t>für</a:t>
-            </a:r>
-            <a:r>
-              <a:rPr lang="en-US" dirty="0"/>
-              <a:t> </a:t>
-            </a:r>
-            <a:r>
-              <a:rPr lang="en-US" dirty="0" err="1"/>
+              <a:rPr lang="de-DE" dirty="0" smtClean="0"/>
+              <a:t>Projektscreens mit Bezeichnung im Header</a:t>
+            </a:r>
+          </a:p>
+          <a:p>
+            <a:pPr lvl="1"/>
+            <a:r>
+              <a:rPr lang="de-DE" dirty="0" smtClean="0"/>
+              <a:t>Navigationsbar mit Highlights</a:t>
+            </a:r>
+          </a:p>
+          <a:p>
+            <a:r>
+              <a:rPr lang="de-DE" dirty="0" err="1" smtClean="0"/>
+              <a:t>Constraints</a:t>
+            </a:r>
+            <a:endParaRPr lang="de-DE" dirty="0" smtClean="0"/>
+          </a:p>
+          <a:p>
+            <a:pPr lvl="1"/>
+            <a:r>
+              <a:rPr lang="de-DE" dirty="0" smtClean="0"/>
+              <a:t>Ein Screen für eine Aufgabe</a:t>
+            </a:r>
+          </a:p>
+          <a:p>
+            <a:pPr lvl="1"/>
+            <a:r>
+              <a:rPr lang="de-DE" dirty="0" smtClean="0"/>
+              <a:t>Jeweils wichtigste </a:t>
+            </a:r>
+            <a:r>
+              <a:rPr lang="de-DE" dirty="0" err="1" smtClean="0"/>
               <a:t>Redmine</a:t>
             </a:r>
             <a:r>
-              <a:rPr lang="en-US" dirty="0"/>
-              <a:t> </a:t>
-            </a:r>
-            <a:r>
-              <a:rPr lang="en-US" dirty="0" err="1" smtClean="0"/>
-              <a:t>Nutzer</a:t>
-            </a:r>
-            <a:endParaRPr lang="en-US" dirty="0" smtClean="0"/>
-          </a:p>
-          <a:p>
-            <a:pPr lvl="2"/>
-            <a:r>
-              <a:rPr lang="en-US" dirty="0" err="1" smtClean="0"/>
-              <a:t>Vertraute</a:t>
-            </a:r>
-            <a:r>
-              <a:rPr lang="en-US" dirty="0" smtClean="0"/>
-              <a:t> </a:t>
-            </a:r>
-            <a:r>
-              <a:rPr lang="en-US" dirty="0" err="1" smtClean="0"/>
-              <a:t>Unterteilungen</a:t>
-            </a:r>
-            <a:endParaRPr lang="en-US" dirty="0" smtClean="0"/>
-          </a:p>
-          <a:p>
-            <a:pPr lvl="1"/>
-            <a:r>
-              <a:rPr lang="en-US" dirty="0" err="1"/>
-              <a:t>Logische</a:t>
-            </a:r>
-            <a:r>
-              <a:rPr lang="en-US" dirty="0"/>
-              <a:t> </a:t>
-            </a:r>
-            <a:r>
-              <a:rPr lang="en-US" dirty="0" err="1"/>
-              <a:t>Abfolgen</a:t>
-            </a:r>
-            <a:endParaRPr lang="en-US" dirty="0"/>
-          </a:p>
-          <a:p>
-            <a:pPr lvl="2"/>
-            <a:r>
-              <a:rPr lang="en-US" dirty="0" smtClean="0"/>
-              <a:t>Login</a:t>
-            </a:r>
-          </a:p>
-          <a:p>
-            <a:pPr lvl="2"/>
-            <a:r>
-              <a:rPr lang="en-US" dirty="0" err="1" smtClean="0"/>
-              <a:t>Projektwahl</a:t>
-            </a:r>
-            <a:endParaRPr lang="en-US" dirty="0" smtClean="0"/>
-          </a:p>
-          <a:p>
-            <a:pPr lvl="2"/>
-            <a:r>
-              <a:rPr lang="en-US" dirty="0" err="1" smtClean="0"/>
-              <a:t>Projektinformationen</a:t>
-            </a:r>
-            <a:r>
-              <a:rPr lang="en-US" dirty="0" smtClean="0"/>
-              <a:t>/</a:t>
-            </a:r>
-            <a:r>
-              <a:rPr lang="en-US" dirty="0" err="1" smtClean="0"/>
-              <a:t>Bearbeitung</a:t>
-            </a:r>
-            <a:endParaRPr lang="en-US" dirty="0" smtClean="0"/>
+              <a:rPr lang="de-DE" dirty="0" smtClean="0"/>
+              <a:t>-Funktionen</a:t>
+            </a:r>
+          </a:p>
+          <a:p>
+            <a:endParaRPr lang="de-DE" dirty="0"/>
           </a:p>
         </p:txBody>
       </p:sp>
     </p:spTree>
     <p:extLst>
       <p:ext uri="{BB962C8B-B14F-4D97-AF65-F5344CB8AC3E}">
-        <p14:creationId xmlns:p14="http://schemas.microsoft.com/office/powerpoint/2010/main" val="3330800751"/>
+        <p14:creationId xmlns:p14="http://schemas.microsoft.com/office/powerpoint/2010/main" val="1314414534"/>
       </p:ext>
     </p:extLst>
   </p:cSld>
@@ -4131,6 +4099,225 @@
         <p:spPr>
           <a:xfrm>
             <a:off x="457200" y="1600200"/>
+            <a:ext cx="8229600" cy="4493096"/>
+          </a:xfrm>
+        </p:spPr>
+        <p:txBody>
+          <a:bodyPr>
+            <a:normAutofit/>
+          </a:bodyPr>
+          <a:lstStyle/>
+          <a:p>
+            <a:r>
+              <a:rPr lang="en-US" dirty="0" smtClean="0"/>
+              <a:t>Schnell </a:t>
+            </a:r>
+            <a:r>
+              <a:rPr lang="en-US" dirty="0" err="1" smtClean="0"/>
+              <a:t>erlernbar</a:t>
+            </a:r>
+            <a:r>
+              <a:rPr lang="en-US" dirty="0"/>
+              <a:t> </a:t>
+            </a:r>
+            <a:r>
+              <a:rPr lang="en-US" dirty="0" smtClean="0"/>
+              <a:t>&amp; </a:t>
+            </a:r>
+            <a:r>
+              <a:rPr lang="en-US" dirty="0" err="1" smtClean="0"/>
+              <a:t>komfortabel</a:t>
+            </a:r>
+            <a:r>
+              <a:rPr lang="en-US" dirty="0" smtClean="0"/>
+              <a:t/>
+            </a:r>
+            <a:br>
+              <a:rPr lang="en-US" dirty="0" smtClean="0"/>
+            </a:br>
+            <a:endParaRPr lang="en-US" dirty="0" smtClean="0"/>
+          </a:p>
+          <a:p>
+            <a:pPr lvl="1"/>
+            <a:r>
+              <a:rPr lang="en-US" dirty="0" err="1" smtClean="0"/>
+              <a:t>Geringe</a:t>
+            </a:r>
+            <a:r>
+              <a:rPr lang="en-US" dirty="0" smtClean="0"/>
+              <a:t> </a:t>
+            </a:r>
+            <a:r>
+              <a:rPr lang="en-US" dirty="0" err="1" smtClean="0"/>
+              <a:t>Eingewöhnung</a:t>
+            </a:r>
+            <a:r>
+              <a:rPr lang="en-US" dirty="0" smtClean="0"/>
+              <a:t> </a:t>
+            </a:r>
+            <a:r>
+              <a:rPr lang="en-US" dirty="0" err="1"/>
+              <a:t>für</a:t>
+            </a:r>
+            <a:r>
+              <a:rPr lang="en-US" dirty="0"/>
+              <a:t> </a:t>
+            </a:r>
+            <a:r>
+              <a:rPr lang="en-US" dirty="0" err="1"/>
+              <a:t>Redmine</a:t>
+            </a:r>
+            <a:r>
+              <a:rPr lang="en-US" dirty="0"/>
+              <a:t> </a:t>
+            </a:r>
+            <a:r>
+              <a:rPr lang="en-US" dirty="0" err="1" smtClean="0"/>
+              <a:t>Nutzer</a:t>
+            </a:r>
+            <a:endParaRPr lang="en-US" dirty="0" smtClean="0"/>
+          </a:p>
+          <a:p>
+            <a:pPr lvl="2"/>
+            <a:r>
+              <a:rPr lang="en-US" dirty="0" err="1" smtClean="0"/>
+              <a:t>Vertraute</a:t>
+            </a:r>
+            <a:r>
+              <a:rPr lang="en-US" dirty="0" smtClean="0"/>
+              <a:t> </a:t>
+            </a:r>
+            <a:r>
+              <a:rPr lang="en-US" dirty="0" err="1" smtClean="0"/>
+              <a:t>Unterteilungen</a:t>
+            </a:r>
+            <a:endParaRPr lang="en-US" dirty="0" smtClean="0"/>
+          </a:p>
+          <a:p>
+            <a:pPr lvl="1"/>
+            <a:r>
+              <a:rPr lang="en-US" dirty="0" err="1"/>
+              <a:t>Logische</a:t>
+            </a:r>
+            <a:r>
+              <a:rPr lang="en-US" dirty="0"/>
+              <a:t> </a:t>
+            </a:r>
+            <a:r>
+              <a:rPr lang="en-US" dirty="0" err="1"/>
+              <a:t>Abfolgen</a:t>
+            </a:r>
+            <a:endParaRPr lang="en-US" dirty="0"/>
+          </a:p>
+          <a:p>
+            <a:pPr lvl="2"/>
+            <a:r>
+              <a:rPr lang="en-US" dirty="0" smtClean="0"/>
+              <a:t>Login</a:t>
+            </a:r>
+          </a:p>
+          <a:p>
+            <a:pPr lvl="2"/>
+            <a:r>
+              <a:rPr lang="en-US" dirty="0" err="1" smtClean="0"/>
+              <a:t>Projektwahl</a:t>
+            </a:r>
+            <a:endParaRPr lang="en-US" dirty="0" smtClean="0"/>
+          </a:p>
+          <a:p>
+            <a:pPr lvl="2"/>
+            <a:r>
+              <a:rPr lang="en-US" dirty="0" err="1" smtClean="0"/>
+              <a:t>Projektinformationen</a:t>
+            </a:r>
+            <a:r>
+              <a:rPr lang="en-US" dirty="0" smtClean="0"/>
+              <a:t>/</a:t>
+            </a:r>
+            <a:r>
+              <a:rPr lang="en-US" dirty="0" err="1" smtClean="0"/>
+              <a:t>Bearbeitung</a:t>
+            </a:r>
+            <a:endParaRPr lang="en-US" dirty="0" smtClean="0"/>
+          </a:p>
+        </p:txBody>
+      </p:sp>
+    </p:spTree>
+    <p:extLst>
+      <p:ext uri="{BB962C8B-B14F-4D97-AF65-F5344CB8AC3E}">
+        <p14:creationId xmlns:p14="http://schemas.microsoft.com/office/powerpoint/2010/main" val="3330800751"/>
+      </p:ext>
+    </p:extLst>
+  </p:cSld>
+  <p:clrMapOvr>
+    <a:masterClrMapping/>
+  </p:clrMapOvr>
+  <p:transition spd="slow">
+    <p:push/>
+  </p:transition>
+  <p:timing>
+    <p:tnLst>
+      <p:par>
+        <p:cTn id="1" dur="indefinite" restart="never" nodeType="tmRoot"/>
+      </p:par>
+    </p:tnLst>
+  </p:timing>
+</p:sld>
+</file>
+
+<file path=ppt/slides/slide7.xml><?xml version="1.0" encoding="utf-8"?>
+<p:sld xmlns:a="http://schemas.openxmlformats.org/drawingml/2006/main" xmlns:r="http://schemas.openxmlformats.org/officeDocument/2006/relationships" xmlns:p="http://schemas.openxmlformats.org/presentationml/2006/main">
+  <p:cSld>
+    <p:spTree>
+      <p:nvGrpSpPr>
+        <p:cNvPr id="1" name=""/>
+        <p:cNvGrpSpPr/>
+        <p:nvPr/>
+      </p:nvGrpSpPr>
+      <p:grpSpPr>
+        <a:xfrm>
+          <a:off x="0" y="0"/>
+          <a:ext cx="0" cy="0"/>
+          <a:chOff x="0" y="0"/>
+          <a:chExt cx="0" cy="0"/>
+        </a:xfrm>
+      </p:grpSpPr>
+      <p:sp>
+        <p:nvSpPr>
+          <p:cNvPr id="2" name="Titel 1"/>
+          <p:cNvSpPr>
+            <a:spLocks noGrp="1"/>
+          </p:cNvSpPr>
+          <p:nvPr>
+            <p:ph type="title"/>
+          </p:nvPr>
+        </p:nvSpPr>
+        <p:spPr/>
+        <p:txBody>
+          <a:bodyPr/>
+          <a:lstStyle/>
+          <a:p>
+            <a:r>
+              <a:rPr lang="en-US" dirty="0" smtClean="0"/>
+              <a:t>Das Interface</a:t>
+            </a:r>
+            <a:endParaRPr lang="de-DE" dirty="0"/>
+          </a:p>
+        </p:txBody>
+      </p:sp>
+      <p:sp>
+        <p:nvSpPr>
+          <p:cNvPr id="3" name="Inhaltsplatzhalter 2"/>
+          <p:cNvSpPr>
+            <a:spLocks noGrp="1"/>
+          </p:cNvSpPr>
+          <p:nvPr>
+            <p:ph idx="1"/>
+          </p:nvPr>
+        </p:nvSpPr>
+        <p:spPr>
+          <a:xfrm>
+            <a:off x="457200" y="1600200"/>
             <a:ext cx="8229600" cy="4277072"/>
           </a:xfrm>
         </p:spPr>
@@ -4292,7 +4479,7 @@
 </p:sld>
 </file>
 
-<file path=ppt/slides/slide7.xml><?xml version="1.0" encoding="utf-8"?>
+<file path=ppt/slides/slide8.xml><?xml version="1.0" encoding="utf-8"?>
 <p:sld xmlns:a="http://schemas.openxmlformats.org/drawingml/2006/main" xmlns:r="http://schemas.openxmlformats.org/officeDocument/2006/relationships" xmlns:p="http://schemas.openxmlformats.org/presentationml/2006/main">
   <p:cSld>
     <p:spTree>

--- a/presentation/RedmineMobile_Kriterien.pptx
+++ b/presentation/RedmineMobile_Kriterien.pptx
@@ -295,7 +295,7 @@
           <a:p>
             <a:fld id="{C7B50BC1-8956-4A11-B1D2-15CA24F15412}" type="datetimeFigureOut">
               <a:rPr lang="de-DE" smtClean="0"/>
-              <a:t>24.05.2013</a:t>
+              <a:t>04.06.2013</a:t>
             </a:fld>
             <a:endParaRPr lang="de-DE"/>
           </a:p>
@@ -468,7 +468,7 @@
           <a:p>
             <a:fld id="{C7B50BC1-8956-4A11-B1D2-15CA24F15412}" type="datetimeFigureOut">
               <a:rPr lang="de-DE" smtClean="0"/>
-              <a:t>24.05.2013</a:t>
+              <a:t>04.06.2013</a:t>
             </a:fld>
             <a:endParaRPr lang="de-DE"/>
           </a:p>
@@ -651,7 +651,7 @@
           <a:p>
             <a:fld id="{C7B50BC1-8956-4A11-B1D2-15CA24F15412}" type="datetimeFigureOut">
               <a:rPr lang="de-DE" smtClean="0"/>
-              <a:t>24.05.2013</a:t>
+              <a:t>04.06.2013</a:t>
             </a:fld>
             <a:endParaRPr lang="de-DE"/>
           </a:p>
@@ -824,7 +824,7 @@
           <a:p>
             <a:fld id="{C7B50BC1-8956-4A11-B1D2-15CA24F15412}" type="datetimeFigureOut">
               <a:rPr lang="de-DE" smtClean="0"/>
-              <a:t>24.05.2013</a:t>
+              <a:t>04.06.2013</a:t>
             </a:fld>
             <a:endParaRPr lang="de-DE"/>
           </a:p>
@@ -1073,7 +1073,7 @@
           <a:p>
             <a:fld id="{C7B50BC1-8956-4A11-B1D2-15CA24F15412}" type="datetimeFigureOut">
               <a:rPr lang="de-DE" smtClean="0"/>
-              <a:t>24.05.2013</a:t>
+              <a:t>04.06.2013</a:t>
             </a:fld>
             <a:endParaRPr lang="de-DE"/>
           </a:p>
@@ -1364,7 +1364,7 @@
           <a:p>
             <a:fld id="{C7B50BC1-8956-4A11-B1D2-15CA24F15412}" type="datetimeFigureOut">
               <a:rPr lang="de-DE" smtClean="0"/>
-              <a:t>24.05.2013</a:t>
+              <a:t>04.06.2013</a:t>
             </a:fld>
             <a:endParaRPr lang="de-DE"/>
           </a:p>
@@ -1789,7 +1789,7 @@
           <a:p>
             <a:fld id="{C7B50BC1-8956-4A11-B1D2-15CA24F15412}" type="datetimeFigureOut">
               <a:rPr lang="de-DE" smtClean="0"/>
-              <a:t>24.05.2013</a:t>
+              <a:t>04.06.2013</a:t>
             </a:fld>
             <a:endParaRPr lang="de-DE"/>
           </a:p>
@@ -1910,7 +1910,7 @@
           <a:p>
             <a:fld id="{C7B50BC1-8956-4A11-B1D2-15CA24F15412}" type="datetimeFigureOut">
               <a:rPr lang="de-DE" smtClean="0"/>
-              <a:t>24.05.2013</a:t>
+              <a:t>04.06.2013</a:t>
             </a:fld>
             <a:endParaRPr lang="de-DE"/>
           </a:p>
@@ -2008,7 +2008,7 @@
           <a:p>
             <a:fld id="{C7B50BC1-8956-4A11-B1D2-15CA24F15412}" type="datetimeFigureOut">
               <a:rPr lang="de-DE" smtClean="0"/>
-              <a:t>24.05.2013</a:t>
+              <a:t>04.06.2013</a:t>
             </a:fld>
             <a:endParaRPr lang="de-DE"/>
           </a:p>
@@ -2288,7 +2288,7 @@
           <a:p>
             <a:fld id="{C7B50BC1-8956-4A11-B1D2-15CA24F15412}" type="datetimeFigureOut">
               <a:rPr lang="de-DE" smtClean="0"/>
-              <a:t>24.05.2013</a:t>
+              <a:t>04.06.2013</a:t>
             </a:fld>
             <a:endParaRPr lang="de-DE"/>
           </a:p>
@@ -2544,7 +2544,7 @@
           <a:p>
             <a:fld id="{C7B50BC1-8956-4A11-B1D2-15CA24F15412}" type="datetimeFigureOut">
               <a:rPr lang="de-DE" smtClean="0"/>
-              <a:t>24.05.2013</a:t>
+              <a:t>04.06.2013</a:t>
             </a:fld>
             <a:endParaRPr lang="de-DE"/>
           </a:p>
@@ -2763,7 +2763,7 @@
           <a:p>
             <a:fld id="{C7B50BC1-8956-4A11-B1D2-15CA24F15412}" type="datetimeFigureOut">
               <a:rPr lang="de-DE" smtClean="0"/>
-              <a:t>24.05.2013</a:t>
+              <a:t>04.06.2013</a:t>
             </a:fld>
             <a:endParaRPr lang="de-DE"/>
           </a:p>
@@ -3238,7 +3238,7 @@
             </a:r>
             <a:r>
               <a:rPr lang="en-US" sz="3600" dirty="0" err="1" smtClean="0"/>
-              <a:t>Plannung</a:t>
+              <a:t>Planung</a:t>
             </a:r>
             <a:endParaRPr lang="en-US" sz="3600" dirty="0" smtClean="0"/>
           </a:p>
@@ -3487,7 +3487,7 @@
             </a:r>
             <a:r>
               <a:rPr lang="en-US" dirty="0" err="1" smtClean="0"/>
-              <a:t>Unterwegs</a:t>
+              <a:t>unterwegs</a:t>
             </a:r>
             <a:endParaRPr lang="de-DE" dirty="0" smtClean="0"/>
           </a:p>
@@ -3622,7 +3622,7 @@
             </a:r>
             <a:r>
               <a:rPr lang="en-US" sz="2800" dirty="0" err="1" smtClean="0"/>
-              <a:t>Navigationsmenu</a:t>
+              <a:t>Navigationsmenü</a:t>
             </a:r>
             <a:endParaRPr lang="de-DE" sz="2800" dirty="0" smtClean="0"/>
           </a:p>
@@ -3944,7 +3944,11 @@
             <a:pPr lvl="1"/>
             <a:r>
               <a:rPr lang="de-DE" dirty="0" smtClean="0"/>
-              <a:t>standardisierte Bedienelementen (</a:t>
+              <a:t>Standardisierte Bedienelemente </a:t>
+            </a:r>
+            <a:r>
+              <a:rPr lang="de-DE" dirty="0" smtClean="0"/>
+              <a:t>(</a:t>
             </a:r>
             <a:r>
               <a:rPr lang="de-DE" dirty="0" err="1" smtClean="0"/>
@@ -3959,7 +3963,11 @@
             <a:pPr lvl="1"/>
             <a:r>
               <a:rPr lang="de-DE" dirty="0" smtClean="0"/>
-              <a:t>Simple UI-Elemente:</a:t>
+              <a:t>Grundlegende </a:t>
+            </a:r>
+            <a:r>
+              <a:rPr lang="de-DE" dirty="0" smtClean="0"/>
+              <a:t>UI-Elemente:</a:t>
             </a:r>
             <a:br>
               <a:rPr lang="de-DE" dirty="0" smtClean="0"/>
@@ -4451,8 +4459,25 @@
             </a:r>
             <a:r>
               <a:rPr lang="en-US" dirty="0" smtClean="0"/>
-              <a:t>. Element pro Horizontal</a:t>
-            </a:r>
+              <a:t>. </a:t>
+            </a:r>
+            <a:r>
+              <a:rPr lang="en-US" dirty="0" err="1"/>
+              <a:t>e</a:t>
+            </a:r>
+            <a:r>
+              <a:rPr lang="en-US" dirty="0" err="1" smtClean="0"/>
+              <a:t>in</a:t>
+            </a:r>
+            <a:r>
+              <a:rPr lang="en-US" dirty="0" smtClean="0"/>
+              <a:t> Element in der </a:t>
+            </a:r>
+            <a:r>
+              <a:rPr lang="en-US" dirty="0" err="1" smtClean="0"/>
+              <a:t>Horizontale</a:t>
+            </a:r>
+            <a:endParaRPr lang="en-US" dirty="0" smtClean="0"/>
           </a:p>
         </p:txBody>
       </p:sp>
